--- a/LAB03/lab3_312651057.pptx
+++ b/LAB03/lab3_312651057.pptx
@@ -11,12 +11,9 @@
     <p:sldId id="257" r:id="rId5"/>
     <p:sldId id="263" r:id="rId6"/>
     <p:sldId id="264" r:id="rId7"/>
-    <p:sldId id="258" r:id="rId8"/>
-    <p:sldId id="265" r:id="rId9"/>
-    <p:sldId id="259" r:id="rId10"/>
-    <p:sldId id="267" r:id="rId11"/>
-    <p:sldId id="260" r:id="rId12"/>
-    <p:sldId id="268" r:id="rId13"/>
+    <p:sldId id="269" r:id="rId8"/>
+    <p:sldId id="260" r:id="rId9"/>
+    <p:sldId id="268" r:id="rId10"/>
   </p:sldIdLst>
   <p:sldSz cx="12192000" cy="6858000"/>
   <p:notesSz cx="6858000" cy="9144000"/>
@@ -270,7 +267,7 @@
           <a:p>
             <a:fld id="{D403C2BD-74A5-45C4-87A0-6C0D79D0DF73}" type="datetimeFigureOut">
               <a:rPr lang="zh-TW" altLang="en-US" smtClean="0"/>
-              <a:t>2025/3/11</a:t>
+              <a:t>2025/3/19</a:t>
             </a:fld>
             <a:endParaRPr lang="zh-TW" altLang="en-US"/>
           </a:p>
@@ -468,7 +465,7 @@
           <a:p>
             <a:fld id="{D403C2BD-74A5-45C4-87A0-6C0D79D0DF73}" type="datetimeFigureOut">
               <a:rPr lang="zh-TW" altLang="en-US" smtClean="0"/>
-              <a:t>2025/3/11</a:t>
+              <a:t>2025/3/19</a:t>
             </a:fld>
             <a:endParaRPr lang="zh-TW" altLang="en-US"/>
           </a:p>
@@ -676,7 +673,7 @@
           <a:p>
             <a:fld id="{D403C2BD-74A5-45C4-87A0-6C0D79D0DF73}" type="datetimeFigureOut">
               <a:rPr lang="zh-TW" altLang="en-US" smtClean="0"/>
-              <a:t>2025/3/11</a:t>
+              <a:t>2025/3/19</a:t>
             </a:fld>
             <a:endParaRPr lang="zh-TW" altLang="en-US"/>
           </a:p>
@@ -874,7 +871,7 @@
           <a:p>
             <a:fld id="{D403C2BD-74A5-45C4-87A0-6C0D79D0DF73}" type="datetimeFigureOut">
               <a:rPr lang="zh-TW" altLang="en-US" smtClean="0"/>
-              <a:t>2025/3/11</a:t>
+              <a:t>2025/3/19</a:t>
             </a:fld>
             <a:endParaRPr lang="zh-TW" altLang="en-US"/>
           </a:p>
@@ -1149,7 +1146,7 @@
           <a:p>
             <a:fld id="{D403C2BD-74A5-45C4-87A0-6C0D79D0DF73}" type="datetimeFigureOut">
               <a:rPr lang="zh-TW" altLang="en-US" smtClean="0"/>
-              <a:t>2025/3/11</a:t>
+              <a:t>2025/3/19</a:t>
             </a:fld>
             <a:endParaRPr lang="zh-TW" altLang="en-US"/>
           </a:p>
@@ -1414,7 +1411,7 @@
           <a:p>
             <a:fld id="{D403C2BD-74A5-45C4-87A0-6C0D79D0DF73}" type="datetimeFigureOut">
               <a:rPr lang="zh-TW" altLang="en-US" smtClean="0"/>
-              <a:t>2025/3/11</a:t>
+              <a:t>2025/3/19</a:t>
             </a:fld>
             <a:endParaRPr lang="zh-TW" altLang="en-US"/>
           </a:p>
@@ -1826,7 +1823,7 @@
           <a:p>
             <a:fld id="{D403C2BD-74A5-45C4-87A0-6C0D79D0DF73}" type="datetimeFigureOut">
               <a:rPr lang="zh-TW" altLang="en-US" smtClean="0"/>
-              <a:t>2025/3/11</a:t>
+              <a:t>2025/3/19</a:t>
             </a:fld>
             <a:endParaRPr lang="zh-TW" altLang="en-US"/>
           </a:p>
@@ -1967,7 +1964,7 @@
           <a:p>
             <a:fld id="{D403C2BD-74A5-45C4-87A0-6C0D79D0DF73}" type="datetimeFigureOut">
               <a:rPr lang="zh-TW" altLang="en-US" smtClean="0"/>
-              <a:t>2025/3/11</a:t>
+              <a:t>2025/3/19</a:t>
             </a:fld>
             <a:endParaRPr lang="zh-TW" altLang="en-US"/>
           </a:p>
@@ -2080,7 +2077,7 @@
           <a:p>
             <a:fld id="{D403C2BD-74A5-45C4-87A0-6C0D79D0DF73}" type="datetimeFigureOut">
               <a:rPr lang="zh-TW" altLang="en-US" smtClean="0"/>
-              <a:t>2025/3/11</a:t>
+              <a:t>2025/3/19</a:t>
             </a:fld>
             <a:endParaRPr lang="zh-TW" altLang="en-US"/>
           </a:p>
@@ -2391,7 +2388,7 @@
           <a:p>
             <a:fld id="{D403C2BD-74A5-45C4-87A0-6C0D79D0DF73}" type="datetimeFigureOut">
               <a:rPr lang="zh-TW" altLang="en-US" smtClean="0"/>
-              <a:t>2025/3/11</a:t>
+              <a:t>2025/3/19</a:t>
             </a:fld>
             <a:endParaRPr lang="zh-TW" altLang="en-US"/>
           </a:p>
@@ -2679,7 +2676,7 @@
           <a:p>
             <a:fld id="{D403C2BD-74A5-45C4-87A0-6C0D79D0DF73}" type="datetimeFigureOut">
               <a:rPr lang="zh-TW" altLang="en-US" smtClean="0"/>
-              <a:t>2025/3/11</a:t>
+              <a:t>2025/3/19</a:t>
             </a:fld>
             <a:endParaRPr lang="zh-TW" altLang="en-US"/>
           </a:p>
@@ -2920,7 +2917,7 @@
           <a:p>
             <a:fld id="{D403C2BD-74A5-45C4-87A0-6C0D79D0DF73}" type="datetimeFigureOut">
               <a:rPr lang="zh-TW" altLang="en-US" smtClean="0"/>
-              <a:t>2025/3/11</a:t>
+              <a:t>2025/3/19</a:t>
             </a:fld>
             <a:endParaRPr lang="zh-TW" altLang="en-US"/>
           </a:p>
@@ -3412,150 +3409,6 @@
 </p:sld>
 </file>
 
-<file path=ppt/slides/slide10.xml><?xml version="1.0" encoding="utf-8"?>
-<p:sld xmlns:a="http://schemas.openxmlformats.org/drawingml/2006/main" xmlns:r="http://schemas.openxmlformats.org/officeDocument/2006/relationships" xmlns:p="http://schemas.openxmlformats.org/presentationml/2006/main">
-  <p:cSld>
-    <p:spTree>
-      <p:nvGrpSpPr>
-        <p:cNvPr id="1" name="">
-          <a:extLst>
-            <a:ext uri="{FF2B5EF4-FFF2-40B4-BE49-F238E27FC236}">
-              <a16:creationId xmlns:a16="http://schemas.microsoft.com/office/drawing/2014/main" id="{DD044BBB-154C-7FC5-EADD-EEFD91BAE797}"/>
-            </a:ext>
-          </a:extLst>
-        </p:cNvPr>
-        <p:cNvGrpSpPr/>
-        <p:nvPr/>
-      </p:nvGrpSpPr>
-      <p:grpSpPr>
-        <a:xfrm>
-          <a:off x="0" y="0"/>
-          <a:ext cx="0" cy="0"/>
-          <a:chOff x="0" y="0"/>
-          <a:chExt cx="0" cy="0"/>
-        </a:xfrm>
-      </p:grpSpPr>
-    </p:spTree>
-    <p:extLst>
-      <p:ext uri="{BB962C8B-B14F-4D97-AF65-F5344CB8AC3E}">
-        <p14:creationId xmlns:p14="http://schemas.microsoft.com/office/powerpoint/2010/main" val="3766958621"/>
-      </p:ext>
-    </p:extLst>
-  </p:cSld>
-  <p:clrMapOvr>
-    <a:masterClrMapping/>
-  </p:clrMapOvr>
-</p:sld>
-</file>
-
-<file path=ppt/slides/slide11.xml><?xml version="1.0" encoding="utf-8"?>
-<p:sld xmlns:a="http://schemas.openxmlformats.org/drawingml/2006/main" xmlns:r="http://schemas.openxmlformats.org/officeDocument/2006/relationships" xmlns:p="http://schemas.openxmlformats.org/presentationml/2006/main">
-  <p:cSld>
-    <p:spTree>
-      <p:nvGrpSpPr>
-        <p:cNvPr id="1" name="">
-          <a:extLst>
-            <a:ext uri="{FF2B5EF4-FFF2-40B4-BE49-F238E27FC236}">
-              <a16:creationId xmlns:a16="http://schemas.microsoft.com/office/drawing/2014/main" id="{56614DED-5E7A-1AB6-F671-ED677E146B2F}"/>
-            </a:ext>
-          </a:extLst>
-        </p:cNvPr>
-        <p:cNvGrpSpPr/>
-        <p:nvPr/>
-      </p:nvGrpSpPr>
-      <p:grpSpPr>
-        <a:xfrm>
-          <a:off x="0" y="0"/>
-          <a:ext cx="0" cy="0"/>
-          <a:chOff x="0" y="0"/>
-          <a:chExt cx="0" cy="0"/>
-        </a:xfrm>
-      </p:grpSpPr>
-      <p:sp>
-        <p:nvSpPr>
-          <p:cNvPr id="2" name="標題 1">
-            <a:extLst>
-              <a:ext uri="{FF2B5EF4-FFF2-40B4-BE49-F238E27FC236}">
-                <a16:creationId xmlns:a16="http://schemas.microsoft.com/office/drawing/2014/main" id="{D8B7F0BE-C2F3-E628-87D7-448397E76B7E}"/>
-              </a:ext>
-            </a:extLst>
-          </p:cNvPr>
-          <p:cNvSpPr>
-            <a:spLocks noGrp="1"/>
-          </p:cNvSpPr>
-          <p:nvPr>
-            <p:ph type="ctrTitle"/>
-          </p:nvPr>
-        </p:nvSpPr>
-        <p:spPr>
-          <a:xfrm>
-            <a:off x="1524000" y="2907538"/>
-            <a:ext cx="9144000" cy="1042924"/>
-          </a:xfrm>
-        </p:spPr>
-        <p:txBody>
-          <a:bodyPr/>
-          <a:lstStyle/>
-          <a:p>
-            <a:r>
-              <a:rPr lang="zh-TW" altLang="en-US" dirty="0">
-                <a:latin typeface="標楷體" panose="03000509000000000000" pitchFamily="65" charset="-120"/>
-                <a:ea typeface="標楷體" panose="03000509000000000000" pitchFamily="65" charset="-120"/>
-              </a:rPr>
-              <a:t>問題與討論</a:t>
-            </a:r>
-          </a:p>
-        </p:txBody>
-      </p:sp>
-    </p:spTree>
-    <p:extLst>
-      <p:ext uri="{BB962C8B-B14F-4D97-AF65-F5344CB8AC3E}">
-        <p14:creationId xmlns:p14="http://schemas.microsoft.com/office/powerpoint/2010/main" val="2252927369"/>
-      </p:ext>
-    </p:extLst>
-  </p:cSld>
-  <p:clrMapOvr>
-    <a:masterClrMapping/>
-  </p:clrMapOvr>
-</p:sld>
-</file>
-
-<file path=ppt/slides/slide12.xml><?xml version="1.0" encoding="utf-8"?>
-<p:sld xmlns:a="http://schemas.openxmlformats.org/drawingml/2006/main" xmlns:r="http://schemas.openxmlformats.org/officeDocument/2006/relationships" xmlns:p="http://schemas.openxmlformats.org/presentationml/2006/main">
-  <p:cSld>
-    <p:spTree>
-      <p:nvGrpSpPr>
-        <p:cNvPr id="1" name="">
-          <a:extLst>
-            <a:ext uri="{FF2B5EF4-FFF2-40B4-BE49-F238E27FC236}">
-              <a16:creationId xmlns:a16="http://schemas.microsoft.com/office/drawing/2014/main" id="{559B385D-76BB-5FAA-35C2-B10C69EBADA0}"/>
-            </a:ext>
-          </a:extLst>
-        </p:cNvPr>
-        <p:cNvGrpSpPr/>
-        <p:nvPr/>
-      </p:nvGrpSpPr>
-      <p:grpSpPr>
-        <a:xfrm>
-          <a:off x="0" y="0"/>
-          <a:ext cx="0" cy="0"/>
-          <a:chOff x="0" y="0"/>
-          <a:chExt cx="0" cy="0"/>
-        </a:xfrm>
-      </p:grpSpPr>
-    </p:spTree>
-    <p:extLst>
-      <p:ext uri="{BB962C8B-B14F-4D97-AF65-F5344CB8AC3E}">
-        <p14:creationId xmlns:p14="http://schemas.microsoft.com/office/powerpoint/2010/main" val="1072394942"/>
-      </p:ext>
-    </p:extLst>
-  </p:cSld>
-  <p:clrMapOvr>
-    <a:masterClrMapping/>
-  </p:clrMapOvr>
-</p:sld>
-</file>
-
 <file path=ppt/slides/slide2.xml><?xml version="1.0" encoding="utf-8"?>
 <p:sld xmlns:a="http://schemas.openxmlformats.org/drawingml/2006/main" xmlns:r="http://schemas.openxmlformats.org/officeDocument/2006/relationships" xmlns:p="http://schemas.openxmlformats.org/presentationml/2006/main">
   <p:cSld>
@@ -3645,6 +3498,98 @@
           <a:chExt cx="0" cy="0"/>
         </a:xfrm>
       </p:grpSpPr>
+      <p:sp>
+        <p:nvSpPr>
+          <p:cNvPr id="2" name="文字方塊 1">
+            <a:extLst>
+              <a:ext uri="{FF2B5EF4-FFF2-40B4-BE49-F238E27FC236}">
+                <a16:creationId xmlns:a16="http://schemas.microsoft.com/office/drawing/2014/main" id="{32F94409-E6CD-98A6-F75D-8D49B6683702}"/>
+              </a:ext>
+            </a:extLst>
+          </p:cNvPr>
+          <p:cNvSpPr txBox="1"/>
+          <p:nvPr/>
+        </p:nvSpPr>
+        <p:spPr>
+          <a:xfrm>
+            <a:off x="2401578" y="2988302"/>
+            <a:ext cx="7388843" cy="881395"/>
+          </a:xfrm>
+          <a:prstGeom prst="rect">
+            <a:avLst/>
+          </a:prstGeom>
+          <a:noFill/>
+        </p:spPr>
+        <p:txBody>
+          <a:bodyPr wrap="square" rtlCol="0">
+            <a:spAutoFit/>
+          </a:bodyPr>
+          <a:lstStyle/>
+          <a:p>
+            <a:pPr algn="ctr">
+              <a:lnSpc>
+                <a:spcPct val="150000"/>
+              </a:lnSpc>
+            </a:pPr>
+            <a:r>
+              <a:rPr lang="en-US" altLang="zh-TW" dirty="0">
+                <a:latin typeface="Times New Roman" panose="02020603050405020304" pitchFamily="18" charset="0"/>
+                <a:ea typeface="標楷體" panose="03000509000000000000" pitchFamily="65" charset="-120"/>
+                <a:cs typeface="Times New Roman" panose="02020603050405020304" pitchFamily="18" charset="0"/>
+              </a:rPr>
+              <a:t>16 bits</a:t>
+            </a:r>
+            <a:r>
+              <a:rPr lang="zh-TW" altLang="en-US" dirty="0">
+                <a:latin typeface="Times New Roman" panose="02020603050405020304" pitchFamily="18" charset="0"/>
+                <a:ea typeface="標楷體" panose="03000509000000000000" pitchFamily="65" charset="-120"/>
+                <a:cs typeface="Times New Roman" panose="02020603050405020304" pitchFamily="18" charset="0"/>
+              </a:rPr>
+              <a:t> </a:t>
+            </a:r>
+            <a:r>
+              <a:rPr lang="zh-TW" altLang="en-US" dirty="0">
+                <a:latin typeface="標楷體" panose="03000509000000000000" pitchFamily="65" charset="-120"/>
+                <a:ea typeface="標楷體" panose="03000509000000000000" pitchFamily="65" charset="-120"/>
+                <a:cs typeface="Times New Roman" panose="02020603050405020304" pitchFamily="18" charset="0"/>
+              </a:rPr>
+              <a:t>四則運算計算機功能包含</a:t>
+            </a:r>
+            <a:r>
+              <a:rPr lang="en-US" altLang="zh-TW" dirty="0">
+                <a:latin typeface="標楷體" panose="03000509000000000000" pitchFamily="65" charset="-120"/>
+                <a:ea typeface="標楷體" panose="03000509000000000000" pitchFamily="65" charset="-120"/>
+                <a:cs typeface="Times New Roman" panose="02020603050405020304" pitchFamily="18" charset="0"/>
+              </a:rPr>
+              <a:t>:</a:t>
+            </a:r>
+            <a:r>
+              <a:rPr lang="zh-TW" altLang="en-US" dirty="0">
+                <a:latin typeface="標楷體" panose="03000509000000000000" pitchFamily="65" charset="-120"/>
+                <a:ea typeface="標楷體" panose="03000509000000000000" pitchFamily="65" charset="-120"/>
+                <a:cs typeface="Times New Roman" panose="02020603050405020304" pitchFamily="18" charset="0"/>
+              </a:rPr>
+              <a:t>檢測是否溢位、結果顯示、</a:t>
+            </a:r>
+            <a:r>
+              <a:rPr lang="en-US" altLang="zh-TW" dirty="0">
+                <a:latin typeface="標楷體" panose="03000509000000000000" pitchFamily="65" charset="-120"/>
+                <a:ea typeface="標楷體" panose="03000509000000000000" pitchFamily="65" charset="-120"/>
+                <a:cs typeface="Times New Roman" panose="02020603050405020304" pitchFamily="18" charset="0"/>
+              </a:rPr>
+              <a:t>4</a:t>
+            </a:r>
+            <a:r>
+              <a:rPr lang="zh-TW" altLang="en-US" dirty="0">
+                <a:latin typeface="標楷體" panose="03000509000000000000" pitchFamily="65" charset="-120"/>
+                <a:ea typeface="標楷體" panose="03000509000000000000" pitchFamily="65" charset="-120"/>
+                <a:cs typeface="Times New Roman" panose="02020603050405020304" pitchFamily="18" charset="0"/>
+              </a:rPr>
+              <a:t>個變數的分別顯示以及設定。</a:t>
+            </a:r>
+          </a:p>
+        </p:txBody>
+      </p:sp>
     </p:spTree>
     <p:extLst>
       <p:ext uri="{BB962C8B-B14F-4D97-AF65-F5344CB8AC3E}">
@@ -3753,6 +3698,36 @@
           <a:chExt cx="0" cy="0"/>
         </a:xfrm>
       </p:grpSpPr>
+      <p:pic>
+        <p:nvPicPr>
+          <p:cNvPr id="3" name="圖片 2">
+            <a:extLst>
+              <a:ext uri="{FF2B5EF4-FFF2-40B4-BE49-F238E27FC236}">
+                <a16:creationId xmlns:a16="http://schemas.microsoft.com/office/drawing/2014/main" id="{6E588837-C309-6620-5CF2-5F59480F5041}"/>
+              </a:ext>
+            </a:extLst>
+          </p:cNvPr>
+          <p:cNvPicPr>
+            <a:picLocks noChangeAspect="1"/>
+          </p:cNvPicPr>
+          <p:nvPr/>
+        </p:nvPicPr>
+        <p:blipFill>
+          <a:blip r:embed="rId2"/>
+          <a:stretch>
+            <a:fillRect/>
+          </a:stretch>
+        </p:blipFill>
+        <p:spPr>
+          <a:xfrm>
+            <a:off x="351079" y="0"/>
+            <a:ext cx="11489842" cy="6858000"/>
+          </a:xfrm>
+          <a:prstGeom prst="rect">
+            <a:avLst/>
+          </a:prstGeom>
+        </p:spPr>
+      </p:pic>
     </p:spTree>
     <p:extLst>
       <p:ext uri="{BB962C8B-B14F-4D97-AF65-F5344CB8AC3E}">
@@ -3789,6 +3764,36 @@
           <a:chExt cx="0" cy="0"/>
         </a:xfrm>
       </p:grpSpPr>
+      <p:pic>
+        <p:nvPicPr>
+          <p:cNvPr id="3" name="圖片 2">
+            <a:extLst>
+              <a:ext uri="{FF2B5EF4-FFF2-40B4-BE49-F238E27FC236}">
+                <a16:creationId xmlns:a16="http://schemas.microsoft.com/office/drawing/2014/main" id="{F35B361A-B426-BAB8-215E-E0933D720322}"/>
+              </a:ext>
+            </a:extLst>
+          </p:cNvPr>
+          <p:cNvPicPr>
+            <a:picLocks noChangeAspect="1"/>
+          </p:cNvPicPr>
+          <p:nvPr/>
+        </p:nvPicPr>
+        <p:blipFill>
+          <a:blip r:embed="rId2"/>
+          <a:stretch>
+            <a:fillRect/>
+          </a:stretch>
+        </p:blipFill>
+        <p:spPr>
+          <a:xfrm>
+            <a:off x="351079" y="0"/>
+            <a:ext cx="11489842" cy="6858000"/>
+          </a:xfrm>
+          <a:prstGeom prst="rect">
+            <a:avLst/>
+          </a:prstGeom>
+        </p:spPr>
+      </p:pic>
     </p:spTree>
     <p:extLst>
       <p:ext uri="{BB962C8B-B14F-4D97-AF65-F5344CB8AC3E}">
@@ -3810,7 +3815,7 @@
         <p:cNvPr id="1" name="">
           <a:extLst>
             <a:ext uri="{FF2B5EF4-FFF2-40B4-BE49-F238E27FC236}">
-              <a16:creationId xmlns:a16="http://schemas.microsoft.com/office/drawing/2014/main" id="{0F2ECA37-7FA7-0E0C-9651-5FBA6A721CBB}"/>
+              <a16:creationId xmlns:a16="http://schemas.microsoft.com/office/drawing/2014/main" id="{1C495991-E7DB-2B14-6DF6-0EAF95DB6764}"/>
             </a:ext>
           </a:extLst>
         </p:cNvPr>
@@ -3825,46 +3830,40 @@
           <a:chExt cx="0" cy="0"/>
         </a:xfrm>
       </p:grpSpPr>
-      <p:sp>
-        <p:nvSpPr>
-          <p:cNvPr id="2" name="標題 1">
-            <a:extLst>
-              <a:ext uri="{FF2B5EF4-FFF2-40B4-BE49-F238E27FC236}">
-                <a16:creationId xmlns:a16="http://schemas.microsoft.com/office/drawing/2014/main" id="{670913AB-5192-CBDE-90AE-3D99A8A5333B}"/>
-              </a:ext>
-            </a:extLst>
-          </p:cNvPr>
-          <p:cNvSpPr>
-            <a:spLocks noGrp="1"/>
-          </p:cNvSpPr>
-          <p:nvPr>
-            <p:ph type="ctrTitle"/>
-          </p:nvPr>
-        </p:nvSpPr>
+      <p:pic>
+        <p:nvPicPr>
+          <p:cNvPr id="3" name="圖片 2">
+            <a:extLst>
+              <a:ext uri="{FF2B5EF4-FFF2-40B4-BE49-F238E27FC236}">
+                <a16:creationId xmlns:a16="http://schemas.microsoft.com/office/drawing/2014/main" id="{50FF7E64-C915-721D-A930-291E4D382305}"/>
+              </a:ext>
+            </a:extLst>
+          </p:cNvPr>
+          <p:cNvPicPr>
+            <a:picLocks noChangeAspect="1"/>
+          </p:cNvPicPr>
+          <p:nvPr/>
+        </p:nvPicPr>
+        <p:blipFill>
+          <a:blip r:embed="rId2"/>
+          <a:stretch>
+            <a:fillRect/>
+          </a:stretch>
+        </p:blipFill>
         <p:spPr>
           <a:xfrm>
-            <a:off x="1524000" y="2907538"/>
-            <a:ext cx="9144000" cy="1042924"/>
+            <a:off x="351079" y="0"/>
+            <a:ext cx="11489842" cy="6858000"/>
           </a:xfrm>
+          <a:prstGeom prst="rect">
+            <a:avLst/>
+          </a:prstGeom>
         </p:spPr>
-        <p:txBody>
-          <a:bodyPr/>
-          <a:lstStyle/>
-          <a:p>
-            <a:r>
-              <a:rPr lang="zh-TW" altLang="en-US" dirty="0">
-                <a:latin typeface="標楷體" panose="03000509000000000000" pitchFamily="65" charset="-120"/>
-                <a:ea typeface="標楷體" panose="03000509000000000000" pitchFamily="65" charset="-120"/>
-              </a:rPr>
-              <a:t>實驗結果照片</a:t>
-            </a:r>
-          </a:p>
-        </p:txBody>
-      </p:sp>
+      </p:pic>
     </p:spTree>
     <p:extLst>
       <p:ext uri="{BB962C8B-B14F-4D97-AF65-F5344CB8AC3E}">
-        <p14:creationId xmlns:p14="http://schemas.microsoft.com/office/powerpoint/2010/main" val="2898247141"/>
+        <p14:creationId xmlns:p14="http://schemas.microsoft.com/office/powerpoint/2010/main" val="1465949325"/>
       </p:ext>
     </p:extLst>
   </p:cSld>
@@ -3882,7 +3881,7 @@
         <p:cNvPr id="1" name="">
           <a:extLst>
             <a:ext uri="{FF2B5EF4-FFF2-40B4-BE49-F238E27FC236}">
-              <a16:creationId xmlns:a16="http://schemas.microsoft.com/office/drawing/2014/main" id="{F7B3F163-13F8-A4F7-F925-BD3998403D1E}"/>
+              <a16:creationId xmlns:a16="http://schemas.microsoft.com/office/drawing/2014/main" id="{56614DED-5E7A-1AB6-F671-ED677E146B2F}"/>
             </a:ext>
           </a:extLst>
         </p:cNvPr>
@@ -3897,10 +3896,46 @@
           <a:chExt cx="0" cy="0"/>
         </a:xfrm>
       </p:grpSpPr>
+      <p:sp>
+        <p:nvSpPr>
+          <p:cNvPr id="2" name="標題 1">
+            <a:extLst>
+              <a:ext uri="{FF2B5EF4-FFF2-40B4-BE49-F238E27FC236}">
+                <a16:creationId xmlns:a16="http://schemas.microsoft.com/office/drawing/2014/main" id="{D8B7F0BE-C2F3-E628-87D7-448397E76B7E}"/>
+              </a:ext>
+            </a:extLst>
+          </p:cNvPr>
+          <p:cNvSpPr>
+            <a:spLocks noGrp="1"/>
+          </p:cNvSpPr>
+          <p:nvPr>
+            <p:ph type="ctrTitle"/>
+          </p:nvPr>
+        </p:nvSpPr>
+        <p:spPr>
+          <a:xfrm>
+            <a:off x="1524000" y="2907538"/>
+            <a:ext cx="9144000" cy="1042924"/>
+          </a:xfrm>
+        </p:spPr>
+        <p:txBody>
+          <a:bodyPr/>
+          <a:lstStyle/>
+          <a:p>
+            <a:r>
+              <a:rPr lang="zh-TW" altLang="en-US" dirty="0">
+                <a:latin typeface="標楷體" panose="03000509000000000000" pitchFamily="65" charset="-120"/>
+                <a:ea typeface="標楷體" panose="03000509000000000000" pitchFamily="65" charset="-120"/>
+              </a:rPr>
+              <a:t>問題與討論</a:t>
+            </a:r>
+          </a:p>
+        </p:txBody>
+      </p:sp>
     </p:spTree>
     <p:extLst>
       <p:ext uri="{BB962C8B-B14F-4D97-AF65-F5344CB8AC3E}">
-        <p14:creationId xmlns:p14="http://schemas.microsoft.com/office/powerpoint/2010/main" val="688205975"/>
+        <p14:creationId xmlns:p14="http://schemas.microsoft.com/office/powerpoint/2010/main" val="2252927369"/>
       </p:ext>
     </p:extLst>
   </p:cSld>
@@ -3918,7 +3953,7 @@
         <p:cNvPr id="1" name="">
           <a:extLst>
             <a:ext uri="{FF2B5EF4-FFF2-40B4-BE49-F238E27FC236}">
-              <a16:creationId xmlns:a16="http://schemas.microsoft.com/office/drawing/2014/main" id="{B97CF553-D63E-8171-AEC8-9F2E66AF6B2F}"/>
+              <a16:creationId xmlns:a16="http://schemas.microsoft.com/office/drawing/2014/main" id="{559B385D-76BB-5FAA-35C2-B10C69EBADA0}"/>
             </a:ext>
           </a:extLst>
         </p:cNvPr>
@@ -3935,43 +3970,183 @@
       </p:grpSpPr>
       <p:sp>
         <p:nvSpPr>
-          <p:cNvPr id="2" name="標題 1">
-            <a:extLst>
-              <a:ext uri="{FF2B5EF4-FFF2-40B4-BE49-F238E27FC236}">
-                <a16:creationId xmlns:a16="http://schemas.microsoft.com/office/drawing/2014/main" id="{50836F3C-89DF-2F37-84BF-79D4B296ED1B}"/>
-              </a:ext>
-            </a:extLst>
-          </p:cNvPr>
-          <p:cNvSpPr>
-            <a:spLocks noGrp="1"/>
-          </p:cNvSpPr>
-          <p:nvPr>
-            <p:ph type="ctrTitle"/>
-          </p:nvPr>
+          <p:cNvPr id="2" name="文字方塊 1">
+            <a:extLst>
+              <a:ext uri="{FF2B5EF4-FFF2-40B4-BE49-F238E27FC236}">
+                <a16:creationId xmlns:a16="http://schemas.microsoft.com/office/drawing/2014/main" id="{768A9292-FA99-B93B-A657-C85B151FF00E}"/>
+              </a:ext>
+            </a:extLst>
+          </p:cNvPr>
+          <p:cNvSpPr txBox="1"/>
+          <p:nvPr/>
         </p:nvSpPr>
         <p:spPr>
           <a:xfrm>
-            <a:off x="1524000" y="2907538"/>
-            <a:ext cx="9144000" cy="1042924"/>
+            <a:off x="2404647" y="2690336"/>
+            <a:ext cx="7382706" cy="1477328"/>
           </a:xfrm>
+          <a:prstGeom prst="rect">
+            <a:avLst/>
+          </a:prstGeom>
+          <a:noFill/>
         </p:spPr>
         <p:txBody>
-          <a:bodyPr/>
-          <a:lstStyle/>
-          <a:p>
+          <a:bodyPr wrap="square" rtlCol="0">
+            <a:spAutoFit/>
+          </a:bodyPr>
+          <a:lstStyle/>
+          <a:p>
+            <a:r>
+              <a:rPr lang="zh-TW" altLang="en-US" dirty="0">
+                <a:latin typeface="標楷體" panose="03000509000000000000" pitchFamily="65" charset="-120"/>
+                <a:ea typeface="標楷體" panose="03000509000000000000" pitchFamily="65" charset="-120"/>
+              </a:rPr>
+              <a:t>問題 </a:t>
+            </a:r>
             <a:r>
               <a:rPr lang="en-US" altLang="zh-TW" dirty="0">
                 <a:latin typeface="標楷體" panose="03000509000000000000" pitchFamily="65" charset="-120"/>
                 <a:ea typeface="標楷體" panose="03000509000000000000" pitchFamily="65" charset="-120"/>
               </a:rPr>
-              <a:t>RTL</a:t>
+              <a:t>:</a:t>
             </a:r>
             <a:r>
               <a:rPr lang="zh-TW" altLang="en-US" dirty="0">
                 <a:latin typeface="標楷體" panose="03000509000000000000" pitchFamily="65" charset="-120"/>
                 <a:ea typeface="標楷體" panose="03000509000000000000" pitchFamily="65" charset="-120"/>
               </a:rPr>
-              <a:t>佈局</a:t>
+              <a:t> 在實作中，遇到計算結果</a:t>
+            </a:r>
+            <a:r>
+              <a:rPr lang="en-US" altLang="zh-TW" dirty="0">
+                <a:latin typeface="標楷體" panose="03000509000000000000" pitchFamily="65" charset="-120"/>
+                <a:ea typeface="標楷體" panose="03000509000000000000" pitchFamily="65" charset="-120"/>
+              </a:rPr>
+              <a:t>delay</a:t>
+            </a:r>
+            <a:r>
+              <a:rPr lang="zh-TW" altLang="en-US" dirty="0">
+                <a:latin typeface="標楷體" panose="03000509000000000000" pitchFamily="65" charset="-120"/>
+                <a:ea typeface="標楷體" panose="03000509000000000000" pitchFamily="65" charset="-120"/>
+              </a:rPr>
+              <a:t>一個</a:t>
+            </a:r>
+            <a:r>
+              <a:rPr lang="en-US" altLang="zh-TW" dirty="0">
+                <a:latin typeface="標楷體" panose="03000509000000000000" pitchFamily="65" charset="-120"/>
+                <a:ea typeface="標楷體" panose="03000509000000000000" pitchFamily="65" charset="-120"/>
+              </a:rPr>
+              <a:t>cycle</a:t>
+            </a:r>
+            <a:r>
+              <a:rPr lang="zh-TW" altLang="en-US" dirty="0">
+                <a:latin typeface="標楷體" panose="03000509000000000000" pitchFamily="65" charset="-120"/>
+                <a:ea typeface="標楷體" panose="03000509000000000000" pitchFamily="65" charset="-120"/>
+              </a:rPr>
+              <a:t>才顯示在</a:t>
+            </a:r>
+            <a:r>
+              <a:rPr lang="en-US" altLang="zh-TW" dirty="0">
+                <a:latin typeface="標楷體" panose="03000509000000000000" pitchFamily="65" charset="-120"/>
+                <a:ea typeface="標楷體" panose="03000509000000000000" pitchFamily="65" charset="-120"/>
+              </a:rPr>
+              <a:t>7</a:t>
+            </a:r>
+            <a:r>
+              <a:rPr lang="zh-TW" altLang="en-US" dirty="0">
+                <a:latin typeface="標楷體" panose="03000509000000000000" pitchFamily="65" charset="-120"/>
+                <a:ea typeface="標楷體" panose="03000509000000000000" pitchFamily="65" charset="-120"/>
+              </a:rPr>
+              <a:t>段顯示器，以及一些多工器的問題與</a:t>
+            </a:r>
+            <a:r>
+              <a:rPr lang="en-US" altLang="zh-TW" dirty="0">
+                <a:latin typeface="標楷體" panose="03000509000000000000" pitchFamily="65" charset="-120"/>
+                <a:ea typeface="標楷體" panose="03000509000000000000" pitchFamily="65" charset="-120"/>
+              </a:rPr>
+              <a:t>Latch</a:t>
+            </a:r>
+            <a:r>
+              <a:rPr lang="zh-TW" altLang="en-US" dirty="0">
+                <a:latin typeface="標楷體" panose="03000509000000000000" pitchFamily="65" charset="-120"/>
+                <a:ea typeface="標楷體" panose="03000509000000000000" pitchFamily="65" charset="-120"/>
+              </a:rPr>
+              <a:t>的問題。</a:t>
+            </a:r>
+            <a:endParaRPr lang="en-US" altLang="zh-TW" dirty="0">
+              <a:latin typeface="標楷體" panose="03000509000000000000" pitchFamily="65" charset="-120"/>
+              <a:ea typeface="標楷體" panose="03000509000000000000" pitchFamily="65" charset="-120"/>
+            </a:endParaRPr>
+          </a:p>
+          <a:p>
+            <a:endParaRPr lang="en-US" altLang="zh-TW" dirty="0">
+              <a:latin typeface="標楷體" panose="03000509000000000000" pitchFamily="65" charset="-120"/>
+              <a:ea typeface="標楷體" panose="03000509000000000000" pitchFamily="65" charset="-120"/>
+            </a:endParaRPr>
+          </a:p>
+          <a:p>
+            <a:r>
+              <a:rPr lang="zh-TW" altLang="en-US" dirty="0">
+                <a:latin typeface="標楷體" panose="03000509000000000000" pitchFamily="65" charset="-120"/>
+                <a:ea typeface="標楷體" panose="03000509000000000000" pitchFamily="65" charset="-120"/>
+              </a:rPr>
+              <a:t>討論 </a:t>
+            </a:r>
+            <a:r>
+              <a:rPr lang="en-US" altLang="zh-TW" dirty="0">
+                <a:latin typeface="標楷體" panose="03000509000000000000" pitchFamily="65" charset="-120"/>
+                <a:ea typeface="標楷體" panose="03000509000000000000" pitchFamily="65" charset="-120"/>
+              </a:rPr>
+              <a:t>:</a:t>
+            </a:r>
+            <a:r>
+              <a:rPr lang="zh-TW" altLang="en-US" dirty="0">
+                <a:latin typeface="標楷體" panose="03000509000000000000" pitchFamily="65" charset="-120"/>
+                <a:ea typeface="標楷體" panose="03000509000000000000" pitchFamily="65" charset="-120"/>
+              </a:rPr>
+              <a:t> 透過撰寫</a:t>
+            </a:r>
+            <a:r>
+              <a:rPr lang="en-US" altLang="zh-TW" dirty="0">
+                <a:latin typeface="標楷體" panose="03000509000000000000" pitchFamily="65" charset="-120"/>
+                <a:ea typeface="標楷體" panose="03000509000000000000" pitchFamily="65" charset="-120"/>
+              </a:rPr>
+              <a:t>testbench</a:t>
+            </a:r>
+            <a:r>
+              <a:rPr lang="zh-TW" altLang="en-US" dirty="0">
+                <a:latin typeface="標楷體" panose="03000509000000000000" pitchFamily="65" charset="-120"/>
+                <a:ea typeface="標楷體" panose="03000509000000000000" pitchFamily="65" charset="-120"/>
+              </a:rPr>
+              <a:t>檢察功能是否正常，最後在</a:t>
+            </a:r>
+            <a:r>
+              <a:rPr lang="en-US" altLang="zh-TW" dirty="0">
+                <a:latin typeface="標楷體" panose="03000509000000000000" pitchFamily="65" charset="-120"/>
+                <a:ea typeface="標楷體" panose="03000509000000000000" pitchFamily="65" charset="-120"/>
+              </a:rPr>
+              <a:t>waveform</a:t>
+            </a:r>
+            <a:r>
+              <a:rPr lang="zh-TW" altLang="en-US" dirty="0">
+                <a:latin typeface="標楷體" panose="03000509000000000000" pitchFamily="65" charset="-120"/>
+                <a:ea typeface="標楷體" panose="03000509000000000000" pitchFamily="65" charset="-120"/>
+              </a:rPr>
+              <a:t>中看到問題，並回到</a:t>
+            </a:r>
+            <a:r>
+              <a:rPr lang="en-US" altLang="zh-TW" dirty="0">
+                <a:latin typeface="標楷體" panose="03000509000000000000" pitchFamily="65" charset="-120"/>
+                <a:ea typeface="標楷體" panose="03000509000000000000" pitchFamily="65" charset="-120"/>
+              </a:rPr>
+              <a:t>code</a:t>
+            </a:r>
+            <a:r>
+              <a:rPr lang="zh-TW" altLang="en-US" dirty="0">
+                <a:latin typeface="標楷體" panose="03000509000000000000" pitchFamily="65" charset="-120"/>
+                <a:ea typeface="標楷體" panose="03000509000000000000" pitchFamily="65" charset="-120"/>
+              </a:rPr>
+              <a:t>裡，修改。</a:t>
             </a:r>
           </a:p>
         </p:txBody>
@@ -3979,7 +4154,7 @@
     </p:spTree>
     <p:extLst>
       <p:ext uri="{BB962C8B-B14F-4D97-AF65-F5344CB8AC3E}">
-        <p14:creationId xmlns:p14="http://schemas.microsoft.com/office/powerpoint/2010/main" val="2973614798"/>
+        <p14:creationId xmlns:p14="http://schemas.microsoft.com/office/powerpoint/2010/main" val="1072394942"/>
       </p:ext>
     </p:extLst>
   </p:cSld>
